--- a/عرض تقديمي.pptx
+++ b/عرض تقديمي.pptx
@@ -127,7 +127,7 @@
   </p:defaultTextStyle>
   <p:extLst>
     <p:ext uri="{EFAFB233-063F-42B5-8137-9DF3F51BA10A}">
-      <p15:sldGuideLst xmlns:p15="http://schemas.microsoft.com/office/powerpoint/2012/main" xmlns=""/>
+      <p15:sldGuideLst xmlns="" xmlns:p15="http://schemas.microsoft.com/office/powerpoint/2012/main"/>
     </p:ext>
   </p:extLst>
 </p:presentation>
@@ -264,7 +264,7 @@
           <a:p>
             <a:fld id="{0BCC5D0E-9045-42E7-8B81-DED8F8FEF7ED}" type="datetimeFigureOut">
               <a:rPr lang="ar-SA" smtClean="0"/>
-              <a:t>02/11/1444</a:t>
+              <a:t>09/11/1444</a:t>
             </a:fld>
             <a:endParaRPr lang="ar-SA"/>
           </a:p>
@@ -434,7 +434,7 @@
           <a:p>
             <a:fld id="{0BCC5D0E-9045-42E7-8B81-DED8F8FEF7ED}" type="datetimeFigureOut">
               <a:rPr lang="ar-SA" smtClean="0"/>
-              <a:t>02/11/1444</a:t>
+              <a:t>09/11/1444</a:t>
             </a:fld>
             <a:endParaRPr lang="ar-SA"/>
           </a:p>
@@ -614,7 +614,7 @@
           <a:p>
             <a:fld id="{0BCC5D0E-9045-42E7-8B81-DED8F8FEF7ED}" type="datetimeFigureOut">
               <a:rPr lang="ar-SA" smtClean="0"/>
-              <a:t>02/11/1444</a:t>
+              <a:t>09/11/1444</a:t>
             </a:fld>
             <a:endParaRPr lang="ar-SA"/>
           </a:p>
@@ -784,7 +784,7 @@
           <a:p>
             <a:fld id="{0BCC5D0E-9045-42E7-8B81-DED8F8FEF7ED}" type="datetimeFigureOut">
               <a:rPr lang="ar-SA" smtClean="0"/>
-              <a:t>02/11/1444</a:t>
+              <a:t>09/11/1444</a:t>
             </a:fld>
             <a:endParaRPr lang="ar-SA"/>
           </a:p>
@@ -1030,7 +1030,7 @@
           <a:p>
             <a:fld id="{0BCC5D0E-9045-42E7-8B81-DED8F8FEF7ED}" type="datetimeFigureOut">
               <a:rPr lang="ar-SA" smtClean="0"/>
-              <a:t>02/11/1444</a:t>
+              <a:t>09/11/1444</a:t>
             </a:fld>
             <a:endParaRPr lang="ar-SA"/>
           </a:p>
@@ -1262,7 +1262,7 @@
           <a:p>
             <a:fld id="{0BCC5D0E-9045-42E7-8B81-DED8F8FEF7ED}" type="datetimeFigureOut">
               <a:rPr lang="ar-SA" smtClean="0"/>
-              <a:t>02/11/1444</a:t>
+              <a:t>09/11/1444</a:t>
             </a:fld>
             <a:endParaRPr lang="ar-SA"/>
           </a:p>
@@ -1629,7 +1629,7 @@
           <a:p>
             <a:fld id="{0BCC5D0E-9045-42E7-8B81-DED8F8FEF7ED}" type="datetimeFigureOut">
               <a:rPr lang="ar-SA" smtClean="0"/>
-              <a:t>02/11/1444</a:t>
+              <a:t>09/11/1444</a:t>
             </a:fld>
             <a:endParaRPr lang="ar-SA"/>
           </a:p>
@@ -1747,7 +1747,7 @@
           <a:p>
             <a:fld id="{0BCC5D0E-9045-42E7-8B81-DED8F8FEF7ED}" type="datetimeFigureOut">
               <a:rPr lang="ar-SA" smtClean="0"/>
-              <a:t>02/11/1444</a:t>
+              <a:t>09/11/1444</a:t>
             </a:fld>
             <a:endParaRPr lang="ar-SA"/>
           </a:p>
@@ -1842,7 +1842,7 @@
           <a:p>
             <a:fld id="{0BCC5D0E-9045-42E7-8B81-DED8F8FEF7ED}" type="datetimeFigureOut">
               <a:rPr lang="ar-SA" smtClean="0"/>
-              <a:t>02/11/1444</a:t>
+              <a:t>09/11/1444</a:t>
             </a:fld>
             <a:endParaRPr lang="ar-SA"/>
           </a:p>
@@ -2119,7 +2119,7 @@
           <a:p>
             <a:fld id="{0BCC5D0E-9045-42E7-8B81-DED8F8FEF7ED}" type="datetimeFigureOut">
               <a:rPr lang="ar-SA" smtClean="0"/>
-              <a:t>02/11/1444</a:t>
+              <a:t>09/11/1444</a:t>
             </a:fld>
             <a:endParaRPr lang="ar-SA"/>
           </a:p>
@@ -2372,7 +2372,7 @@
           <a:p>
             <a:fld id="{0BCC5D0E-9045-42E7-8B81-DED8F8FEF7ED}" type="datetimeFigureOut">
               <a:rPr lang="ar-SA" smtClean="0"/>
-              <a:t>02/11/1444</a:t>
+              <a:t>09/11/1444</a:t>
             </a:fld>
             <a:endParaRPr lang="ar-SA"/>
           </a:p>
@@ -2585,7 +2585,7 @@
           <a:p>
             <a:fld id="{0BCC5D0E-9045-42E7-8B81-DED8F8FEF7ED}" type="datetimeFigureOut">
               <a:rPr lang="ar-SA" smtClean="0"/>
-              <a:t>02/11/1444</a:t>
+              <a:t>09/11/1444</a:t>
             </a:fld>
             <a:endParaRPr lang="ar-SA"/>
           </a:p>
@@ -4086,19 +4086,13 @@
             <a:pPr algn="l" rtl="0"/>
             <a:r>
               <a:rPr lang="en-US" dirty="0" smtClean="0"/>
-              <a:t> Getting started with Svelte</a:t>
-            </a:r>
-          </a:p>
-          <a:p>
-            <a:pPr algn="l" rtl="0"/>
-            <a:r>
-              <a:rPr lang="en-US" dirty="0"/>
-              <a:t> </a:t>
+              <a:t> Getting started with </a:t>
             </a:r>
             <a:r>
               <a:rPr lang="en-US" dirty="0" smtClean="0"/>
-              <a:t>Svelte ecosystem and community </a:t>
-            </a:r>
+              <a:t>Svelte</a:t>
+            </a:r>
+            <a:endParaRPr lang="en-US" dirty="0" smtClean="0"/>
           </a:p>
           <a:p>
             <a:pPr algn="l" rtl="0"/>
@@ -4111,8 +4105,20 @@
             <a:pPr algn="l" rtl="0"/>
             <a:r>
               <a:rPr lang="en-US" dirty="0" smtClean="0"/>
-              <a:t> Svelte success stories </a:t>
-            </a:r>
+              <a:t> </a:t>
+            </a:r>
+            <a:r>
+              <a:rPr lang="en-US" dirty="0" smtClean="0"/>
+              <a:t>Who use svelte </a:t>
+            </a:r>
+          </a:p>
+          <a:p>
+            <a:pPr algn="l" rtl="0"/>
+            <a:r>
+              <a:rPr lang="en-US" dirty="0" smtClean="0"/>
+              <a:t> Examples </a:t>
+            </a:r>
+            <a:endParaRPr lang="en-US" dirty="0" smtClean="0"/>
           </a:p>
           <a:p>
             <a:pPr algn="l" rtl="0"/>
@@ -4288,30 +4294,17 @@
             <a:pPr algn="l" rtl="0"/>
             <a:r>
               <a:rPr lang="en-US" dirty="0" smtClean="0"/>
-              <a:t>Conclusion:</a:t>
-            </a:r>
-          </a:p>
-          <a:p>
-            <a:pPr algn="l" rtl="0"/>
+              <a:t>Recap </a:t>
+            </a:r>
             <a:r>
               <a:rPr lang="en-US" dirty="0" smtClean="0"/>
-              <a:t>Recap the main points discussed</a:t>
-            </a:r>
-          </a:p>
-          <a:p>
-            <a:pPr algn="l" rtl="0"/>
+              <a:t>the main points </a:t>
+            </a:r>
             <a:r>
               <a:rPr lang="en-US" dirty="0" smtClean="0"/>
-              <a:t>Encourage further exploration and experimentation with Svelte</a:t>
-            </a:r>
-          </a:p>
-          <a:p>
-            <a:pPr algn="l" rtl="0"/>
-            <a:r>
-              <a:rPr lang="en-US" dirty="0" smtClean="0"/>
-              <a:t>Thank the audience for their attention</a:t>
-            </a:r>
-            <a:endParaRPr lang="ar-SA" dirty="0"/>
+              <a:t>discussed</a:t>
+            </a:r>
+            <a:endParaRPr lang="en-US" dirty="0" smtClean="0"/>
           </a:p>
         </p:txBody>
       </p:sp>
@@ -4495,11 +4488,7 @@
             <a:pPr algn="l" rtl="0"/>
             <a:r>
               <a:rPr lang="en-US" dirty="0" smtClean="0"/>
-              <a:t>A </a:t>
-            </a:r>
-            <a:r>
-              <a:rPr lang="en-US" dirty="0" smtClean="0"/>
-              <a:t>modern JavaScript framework for building user interfaces</a:t>
+              <a:t>A modern JavaScript framework for building user interfaces</a:t>
             </a:r>
           </a:p>
           <a:p>
@@ -5546,7 +5535,7 @@
   <a:extraClrSchemeLst/>
   <a:extLst>
     <a:ext uri="{05A4C25C-085E-4340-85A3-A5531E510DB2}">
-      <thm15:themeFamily xmlns:thm15="http://schemas.microsoft.com/office/thememl/2012/main" xmlns="" name="Office Theme" id="{62F939B6-93AF-4DB8-9C6B-D6C7DFDC589F}" vid="{4A3C46E8-61CC-4603-A589-7422A47A8E4A}"/>
+      <thm15:themeFamily xmlns="" xmlns:thm15="http://schemas.microsoft.com/office/thememl/2012/main" name="Office Theme" id="{62F939B6-93AF-4DB8-9C6B-D6C7DFDC589F}" vid="{4A3C46E8-61CC-4603-A589-7422A47A8E4A}"/>
     </a:ext>
   </a:extLst>
 </a:theme>

--- a/عرض تقديمي.pptx
+++ b/عرض تقديمي.pptx
@@ -127,7 +127,7 @@
   </p:defaultTextStyle>
   <p:extLst>
     <p:ext uri="{EFAFB233-063F-42B5-8137-9DF3F51BA10A}">
-      <p15:sldGuideLst xmlns="" xmlns:p15="http://schemas.microsoft.com/office/powerpoint/2012/main"/>
+      <p15:sldGuideLst xmlns:p15="http://schemas.microsoft.com/office/powerpoint/2012/main" xmlns=""/>
     </p:ext>
   </p:extLst>
 </p:presentation>
@@ -264,7 +264,7 @@
           <a:p>
             <a:fld id="{0BCC5D0E-9045-42E7-8B81-DED8F8FEF7ED}" type="datetimeFigureOut">
               <a:rPr lang="ar-SA" smtClean="0"/>
-              <a:t>09/11/1444</a:t>
+              <a:t>06/12/1444</a:t>
             </a:fld>
             <a:endParaRPr lang="ar-SA"/>
           </a:p>
@@ -434,7 +434,7 @@
           <a:p>
             <a:fld id="{0BCC5D0E-9045-42E7-8B81-DED8F8FEF7ED}" type="datetimeFigureOut">
               <a:rPr lang="ar-SA" smtClean="0"/>
-              <a:t>09/11/1444</a:t>
+              <a:t>06/12/1444</a:t>
             </a:fld>
             <a:endParaRPr lang="ar-SA"/>
           </a:p>
@@ -614,7 +614,7 @@
           <a:p>
             <a:fld id="{0BCC5D0E-9045-42E7-8B81-DED8F8FEF7ED}" type="datetimeFigureOut">
               <a:rPr lang="ar-SA" smtClean="0"/>
-              <a:t>09/11/1444</a:t>
+              <a:t>06/12/1444</a:t>
             </a:fld>
             <a:endParaRPr lang="ar-SA"/>
           </a:p>
@@ -784,7 +784,7 @@
           <a:p>
             <a:fld id="{0BCC5D0E-9045-42E7-8B81-DED8F8FEF7ED}" type="datetimeFigureOut">
               <a:rPr lang="ar-SA" smtClean="0"/>
-              <a:t>09/11/1444</a:t>
+              <a:t>06/12/1444</a:t>
             </a:fld>
             <a:endParaRPr lang="ar-SA"/>
           </a:p>
@@ -1030,7 +1030,7 @@
           <a:p>
             <a:fld id="{0BCC5D0E-9045-42E7-8B81-DED8F8FEF7ED}" type="datetimeFigureOut">
               <a:rPr lang="ar-SA" smtClean="0"/>
-              <a:t>09/11/1444</a:t>
+              <a:t>06/12/1444</a:t>
             </a:fld>
             <a:endParaRPr lang="ar-SA"/>
           </a:p>
@@ -1262,7 +1262,7 @@
           <a:p>
             <a:fld id="{0BCC5D0E-9045-42E7-8B81-DED8F8FEF7ED}" type="datetimeFigureOut">
               <a:rPr lang="ar-SA" smtClean="0"/>
-              <a:t>09/11/1444</a:t>
+              <a:t>06/12/1444</a:t>
             </a:fld>
             <a:endParaRPr lang="ar-SA"/>
           </a:p>
@@ -1629,7 +1629,7 @@
           <a:p>
             <a:fld id="{0BCC5D0E-9045-42E7-8B81-DED8F8FEF7ED}" type="datetimeFigureOut">
               <a:rPr lang="ar-SA" smtClean="0"/>
-              <a:t>09/11/1444</a:t>
+              <a:t>06/12/1444</a:t>
             </a:fld>
             <a:endParaRPr lang="ar-SA"/>
           </a:p>
@@ -1747,7 +1747,7 @@
           <a:p>
             <a:fld id="{0BCC5D0E-9045-42E7-8B81-DED8F8FEF7ED}" type="datetimeFigureOut">
               <a:rPr lang="ar-SA" smtClean="0"/>
-              <a:t>09/11/1444</a:t>
+              <a:t>06/12/1444</a:t>
             </a:fld>
             <a:endParaRPr lang="ar-SA"/>
           </a:p>
@@ -1842,7 +1842,7 @@
           <a:p>
             <a:fld id="{0BCC5D0E-9045-42E7-8B81-DED8F8FEF7ED}" type="datetimeFigureOut">
               <a:rPr lang="ar-SA" smtClean="0"/>
-              <a:t>09/11/1444</a:t>
+              <a:t>06/12/1444</a:t>
             </a:fld>
             <a:endParaRPr lang="ar-SA"/>
           </a:p>
@@ -2119,7 +2119,7 @@
           <a:p>
             <a:fld id="{0BCC5D0E-9045-42E7-8B81-DED8F8FEF7ED}" type="datetimeFigureOut">
               <a:rPr lang="ar-SA" smtClean="0"/>
-              <a:t>09/11/1444</a:t>
+              <a:t>06/12/1444</a:t>
             </a:fld>
             <a:endParaRPr lang="ar-SA"/>
           </a:p>
@@ -2372,7 +2372,7 @@
           <a:p>
             <a:fld id="{0BCC5D0E-9045-42E7-8B81-DED8F8FEF7ED}" type="datetimeFigureOut">
               <a:rPr lang="ar-SA" smtClean="0"/>
-              <a:t>09/11/1444</a:t>
+              <a:t>06/12/1444</a:t>
             </a:fld>
             <a:endParaRPr lang="ar-SA"/>
           </a:p>
@@ -2585,7 +2585,7 @@
           <a:p>
             <a:fld id="{0BCC5D0E-9045-42E7-8B81-DED8F8FEF7ED}" type="datetimeFigureOut">
               <a:rPr lang="ar-SA" smtClean="0"/>
-              <a:t>09/11/1444</a:t>
+              <a:t>06/12/1444</a:t>
             </a:fld>
             <a:endParaRPr lang="ar-SA"/>
           </a:p>
@@ -3531,36 +3531,6 @@
           </a:xfrm>
         </p:spPr>
       </p:pic>
-      <p:pic>
-        <p:nvPicPr>
-          <p:cNvPr id="5" name="صورة 4"/>
-          <p:cNvPicPr>
-            <a:picLocks noChangeAspect="1"/>
-          </p:cNvPicPr>
-          <p:nvPr/>
-        </p:nvPicPr>
-        <p:blipFill>
-          <a:blip r:embed="rId3">
-            <a:extLst>
-              <a:ext uri="{28A0092B-C50C-407E-A947-70E740481C1C}">
-                <a14:useLocalDpi xmlns:a14="http://schemas.microsoft.com/office/drawing/2010/main" val="0"/>
-              </a:ext>
-            </a:extLst>
-          </a:blip>
-          <a:stretch>
-            <a:fillRect/>
-          </a:stretch>
-        </p:blipFill>
-        <p:spPr>
-          <a:xfrm>
-            <a:off x="6764215" y="1817078"/>
-            <a:ext cx="4094284" cy="4293210"/>
-          </a:xfrm>
-          <a:prstGeom prst="rect">
-            <a:avLst/>
-          </a:prstGeom>
-        </p:spPr>
-      </p:pic>
     </p:spTree>
     <p:extLst>
       <p:ext uri="{BB962C8B-B14F-4D97-AF65-F5344CB8AC3E}">
@@ -4025,30 +3995,6 @@
       </p:grpSpPr>
       <p:sp>
         <p:nvSpPr>
-          <p:cNvPr id="2" name="عنوان 1"/>
-          <p:cNvSpPr>
-            <a:spLocks noGrp="1"/>
-          </p:cNvSpPr>
-          <p:nvPr>
-            <p:ph type="title"/>
-          </p:nvPr>
-        </p:nvSpPr>
-        <p:spPr/>
-        <p:txBody>
-          <a:bodyPr/>
-          <a:lstStyle/>
-          <a:p>
-            <a:pPr algn="ctr"/>
-            <a:r>
-              <a:rPr lang="en-US" dirty="0" smtClean="0"/>
-              <a:t>Agenda</a:t>
-            </a:r>
-            <a:endParaRPr lang="ar-SA" dirty="0"/>
-          </a:p>
-        </p:txBody>
-      </p:sp>
-      <p:sp>
-        <p:nvSpPr>
           <p:cNvPr id="3" name="عنصر نائب للمحتوى 2"/>
           <p:cNvSpPr>
             <a:spLocks noGrp="1"/>
@@ -4086,13 +4032,8 @@
             <a:pPr algn="l" rtl="0"/>
             <a:r>
               <a:rPr lang="en-US" dirty="0" smtClean="0"/>
-              <a:t> Getting started with </a:t>
-            </a:r>
-            <a:r>
-              <a:rPr lang="en-US" dirty="0" smtClean="0"/>
-              <a:t>Svelte</a:t>
-            </a:r>
-            <a:endParaRPr lang="en-US" dirty="0" smtClean="0"/>
+              <a:t> Getting started with Svelte</a:t>
+            </a:r>
           </a:p>
           <a:p>
             <a:pPr algn="l" rtl="0"/>
@@ -4105,11 +4046,7 @@
             <a:pPr algn="l" rtl="0"/>
             <a:r>
               <a:rPr lang="en-US" dirty="0" smtClean="0"/>
-              <a:t> </a:t>
-            </a:r>
-            <a:r>
-              <a:rPr lang="en-US" dirty="0" smtClean="0"/>
-              <a:t>Who use svelte </a:t>
+              <a:t> Who use svelte </a:t>
             </a:r>
           </a:p>
           <a:p>
@@ -4118,7 +4055,6 @@
               <a:rPr lang="en-US" dirty="0" smtClean="0"/>
               <a:t> Examples </a:t>
             </a:r>
-            <a:endParaRPr lang="en-US" dirty="0" smtClean="0"/>
           </a:p>
           <a:p>
             <a:pPr algn="l" rtl="0"/>
@@ -4294,17 +4230,8 @@
             <a:pPr algn="l" rtl="0"/>
             <a:r>
               <a:rPr lang="en-US" dirty="0" smtClean="0"/>
-              <a:t>Recap </a:t>
-            </a:r>
-            <a:r>
-              <a:rPr lang="en-US" dirty="0" smtClean="0"/>
-              <a:t>the main points </a:t>
-            </a:r>
-            <a:r>
-              <a:rPr lang="en-US" dirty="0" smtClean="0"/>
-              <a:t>discussed</a:t>
-            </a:r>
-            <a:endParaRPr lang="en-US" dirty="0" smtClean="0"/>
+              <a:t>Recap the main points discussed</a:t>
+            </a:r>
           </a:p>
         </p:txBody>
       </p:sp>
@@ -5535,7 +5462,7 @@
   <a:extraClrSchemeLst/>
   <a:extLst>
     <a:ext uri="{05A4C25C-085E-4340-85A3-A5531E510DB2}">
-      <thm15:themeFamily xmlns="" xmlns:thm15="http://schemas.microsoft.com/office/thememl/2012/main" name="Office Theme" id="{62F939B6-93AF-4DB8-9C6B-D6C7DFDC589F}" vid="{4A3C46E8-61CC-4603-A589-7422A47A8E4A}"/>
+      <thm15:themeFamily xmlns:thm15="http://schemas.microsoft.com/office/thememl/2012/main" xmlns="" name="Office Theme" id="{62F939B6-93AF-4DB8-9C6B-D6C7DFDC589F}" vid="{4A3C46E8-61CC-4603-A589-7422A47A8E4A}"/>
     </a:ext>
   </a:extLst>
 </a:theme>
